--- a/10-Networks 2/10-Resources.pptx
+++ b/10-Networks 2/10-Resources.pptx
@@ -486,7 +486,7 @@
             <a:fld id="{B1986778-4955-48BF-B9A5-723767A6F1B2}" type="datetimeFigureOut">
               <a:rPr lang="en-US" smtClean="0"/>
               <a:pPr/>
-              <a:t>2/25/2020</a:t>
+              <a:t>3/26/2020</a:t>
             </a:fld>
             <a:endParaRPr lang="en-GB" dirty="0"/>
           </a:p>
@@ -4174,13 +4174,8 @@
             </a:r>
             <a:r>
               <a:rPr lang="en-GB" dirty="0"/>
-              <a:t> 					</a:t>
-            </a:r>
-            <a:r>
-              <a:rPr lang="en-GB" dirty="0" smtClean="0"/>
-              <a:t>CE599</a:t>
-            </a:r>
-            <a:endParaRPr lang="en-GB" dirty="0"/>
+              <a:t> 					CE599</a:t>
+            </a:r>
           </a:p>
         </p:txBody>
       </p:sp>
@@ -7086,12 +7081,8 @@
               <a:buAutoNum type="arabicPeriod"/>
             </a:pPr>
             <a:r>
-              <a:rPr lang="en-US" dirty="0" smtClean="0"/>
-              <a:t>Open </a:t>
-            </a:r>
-            <a:r>
               <a:rPr lang="en-US" dirty="0"/>
-              <a:t>Data &amp; Available Data</a:t>
+              <a:t>Open Data &amp; Available Data</a:t>
             </a:r>
           </a:p>
           <a:p>
